--- a/範本簡報檔案.pptx
+++ b/範本簡報檔案.pptx
@@ -8,6 +8,15 @@
     <p:sldId id="256" r:id="rId2"/>
     <p:sldId id="257" r:id="rId3"/>
     <p:sldId id="258" r:id="rId4"/>
+    <p:sldId id="259" r:id="rId5"/>
+    <p:sldId id="262" r:id="rId6"/>
+    <p:sldId id="264" r:id="rId7"/>
+    <p:sldId id="265" r:id="rId8"/>
+    <p:sldId id="263" r:id="rId9"/>
+    <p:sldId id="261" r:id="rId10"/>
+    <p:sldId id="260" r:id="rId11"/>
+    <p:sldId id="266" r:id="rId12"/>
+    <p:sldId id="267" r:id="rId13"/>
   </p:sldIdLst>
   <p:sldSz cx="12192000" cy="6858000"/>
   <p:notesSz cx="6858000" cy="9144000"/>
@@ -106,6 +115,35 @@
       </a:defRPr>
     </a:lvl9pPr>
   </p:defaultTextStyle>
+  <p:extLst>
+    <p:ext uri="{521415D9-36F7-43E2-AB2F-B90AF26B5E84}">
+      <p14:sectionLst xmlns:p14="http://schemas.microsoft.com/office/powerpoint/2010/main">
+        <p14:section name="預設章節" id="{50D9BAF9-B0F1-4029-A484-774A4E703C9B}">
+          <p14:sldIdLst>
+            <p14:sldId id="256"/>
+            <p14:sldId id="257"/>
+            <p14:sldId id="258"/>
+            <p14:sldId id="259"/>
+            <p14:sldId id="262"/>
+            <p14:sldId id="264"/>
+            <p14:sldId id="265"/>
+            <p14:sldId id="263"/>
+            <p14:sldId id="261"/>
+            <p14:sldId id="260"/>
+          </p14:sldIdLst>
+        </p14:section>
+        <p14:section name="下方為平常實作" id="{DC23F739-FDA6-4897-A3DE-4CF9AFF1A6C9}">
+          <p14:sldIdLst>
+            <p14:sldId id="266"/>
+            <p14:sldId id="267"/>
+          </p14:sldIdLst>
+        </p14:section>
+      </p14:sectionLst>
+    </p:ext>
+    <p:ext uri="{EFAFB233-063F-42B5-8137-9DF3F51BA10A}">
+      <p15:sldGuideLst xmlns:p15="http://schemas.microsoft.com/office/powerpoint/2012/main"/>
+    </p:ext>
+  </p:extLst>
 </p:presentation>
 </file>
 
@@ -256,7 +294,7 @@
           <a:p>
             <a:fld id="{938F9F19-CDA3-4314-BB18-6A4BD67F87C3}" type="datetimeFigureOut">
               <a:rPr lang="zh-TW" altLang="en-US" smtClean="0"/>
-              <a:t>2023/2/21</a:t>
+              <a:t>2023/3/21</a:t>
             </a:fld>
             <a:endParaRPr lang="zh-TW" altLang="en-US"/>
           </a:p>
@@ -454,7 +492,7 @@
           <a:p>
             <a:fld id="{938F9F19-CDA3-4314-BB18-6A4BD67F87C3}" type="datetimeFigureOut">
               <a:rPr lang="zh-TW" altLang="en-US" smtClean="0"/>
-              <a:t>2023/2/21</a:t>
+              <a:t>2023/3/21</a:t>
             </a:fld>
             <a:endParaRPr lang="zh-TW" altLang="en-US"/>
           </a:p>
@@ -662,7 +700,7 @@
           <a:p>
             <a:fld id="{938F9F19-CDA3-4314-BB18-6A4BD67F87C3}" type="datetimeFigureOut">
               <a:rPr lang="zh-TW" altLang="en-US" smtClean="0"/>
-              <a:t>2023/2/21</a:t>
+              <a:t>2023/3/21</a:t>
             </a:fld>
             <a:endParaRPr lang="zh-TW" altLang="en-US"/>
           </a:p>
@@ -860,7 +898,7 @@
           <a:p>
             <a:fld id="{938F9F19-CDA3-4314-BB18-6A4BD67F87C3}" type="datetimeFigureOut">
               <a:rPr lang="zh-TW" altLang="en-US" smtClean="0"/>
-              <a:t>2023/2/21</a:t>
+              <a:t>2023/3/21</a:t>
             </a:fld>
             <a:endParaRPr lang="zh-TW" altLang="en-US"/>
           </a:p>
@@ -1135,7 +1173,7 @@
           <a:p>
             <a:fld id="{938F9F19-CDA3-4314-BB18-6A4BD67F87C3}" type="datetimeFigureOut">
               <a:rPr lang="zh-TW" altLang="en-US" smtClean="0"/>
-              <a:t>2023/2/21</a:t>
+              <a:t>2023/3/21</a:t>
             </a:fld>
             <a:endParaRPr lang="zh-TW" altLang="en-US"/>
           </a:p>
@@ -1400,7 +1438,7 @@
           <a:p>
             <a:fld id="{938F9F19-CDA3-4314-BB18-6A4BD67F87C3}" type="datetimeFigureOut">
               <a:rPr lang="zh-TW" altLang="en-US" smtClean="0"/>
-              <a:t>2023/2/21</a:t>
+              <a:t>2023/3/21</a:t>
             </a:fld>
             <a:endParaRPr lang="zh-TW" altLang="en-US"/>
           </a:p>
@@ -1812,7 +1850,7 @@
           <a:p>
             <a:fld id="{938F9F19-CDA3-4314-BB18-6A4BD67F87C3}" type="datetimeFigureOut">
               <a:rPr lang="zh-TW" altLang="en-US" smtClean="0"/>
-              <a:t>2023/2/21</a:t>
+              <a:t>2023/3/21</a:t>
             </a:fld>
             <a:endParaRPr lang="zh-TW" altLang="en-US"/>
           </a:p>
@@ -1953,7 +1991,7 @@
           <a:p>
             <a:fld id="{938F9F19-CDA3-4314-BB18-6A4BD67F87C3}" type="datetimeFigureOut">
               <a:rPr lang="zh-TW" altLang="en-US" smtClean="0"/>
-              <a:t>2023/2/21</a:t>
+              <a:t>2023/3/21</a:t>
             </a:fld>
             <a:endParaRPr lang="zh-TW" altLang="en-US"/>
           </a:p>
@@ -2066,7 +2104,7 @@
           <a:p>
             <a:fld id="{938F9F19-CDA3-4314-BB18-6A4BD67F87C3}" type="datetimeFigureOut">
               <a:rPr lang="zh-TW" altLang="en-US" smtClean="0"/>
-              <a:t>2023/2/21</a:t>
+              <a:t>2023/3/21</a:t>
             </a:fld>
             <a:endParaRPr lang="zh-TW" altLang="en-US"/>
           </a:p>
@@ -2377,7 +2415,7 @@
           <a:p>
             <a:fld id="{938F9F19-CDA3-4314-BB18-6A4BD67F87C3}" type="datetimeFigureOut">
               <a:rPr lang="zh-TW" altLang="en-US" smtClean="0"/>
-              <a:t>2023/2/21</a:t>
+              <a:t>2023/3/21</a:t>
             </a:fld>
             <a:endParaRPr lang="zh-TW" altLang="en-US"/>
           </a:p>
@@ -2665,7 +2703,7 @@
           <a:p>
             <a:fld id="{938F9F19-CDA3-4314-BB18-6A4BD67F87C3}" type="datetimeFigureOut">
               <a:rPr lang="zh-TW" altLang="en-US" smtClean="0"/>
-              <a:t>2023/2/21</a:t>
+              <a:t>2023/3/21</a:t>
             </a:fld>
             <a:endParaRPr lang="zh-TW" altLang="en-US"/>
           </a:p>
@@ -2906,7 +2944,7 @@
           <a:p>
             <a:fld id="{938F9F19-CDA3-4314-BB18-6A4BD67F87C3}" type="datetimeFigureOut">
               <a:rPr lang="zh-TW" altLang="en-US" smtClean="0"/>
-              <a:t>2023/2/21</a:t>
+              <a:t>2023/3/21</a:t>
             </a:fld>
             <a:endParaRPr lang="zh-TW" altLang="en-US"/>
           </a:p>
@@ -3355,7 +3393,7 @@
           <a:bodyPr/>
           <a:lstStyle/>
           <a:p>
-            <a:endParaRPr lang="zh-TW" altLang="en-US"/>
+            <a:endParaRPr lang="zh-TW" altLang="en-US" dirty="0"/>
           </a:p>
         </p:txBody>
       </p:sp>
@@ -3380,7 +3418,28 @@
           <a:bodyPr/>
           <a:lstStyle/>
           <a:p>
-            <a:endParaRPr lang="zh-TW" altLang="en-US"/>
+            <a:r>
+              <a:rPr lang="zh-TW" altLang="en-US" b="1" dirty="0"/>
+              <a:t>學號：</a:t>
+            </a:r>
+            <a:r>
+              <a:rPr lang="en-US" altLang="zh-TW" b="1" dirty="0"/>
+              <a:t>4100E104</a:t>
+            </a:r>
+          </a:p>
+          <a:p>
+            <a:r>
+              <a:rPr lang="zh-TW" altLang="en-US" b="1" dirty="0"/>
+              <a:t>學生：王榆凱</a:t>
+            </a:r>
+            <a:endParaRPr lang="en-US" altLang="zh-TW" b="1" dirty="0"/>
+          </a:p>
+          <a:p>
+            <a:r>
+              <a:rPr lang="zh-TW" altLang="en-US" b="1" dirty="0"/>
+              <a:t>老師：偉大的恩師 龍大大</a:t>
+            </a:r>
+            <a:endParaRPr lang="zh-TW" altLang="en-US" dirty="0"/>
           </a:p>
         </p:txBody>
       </p:sp>
@@ -3390,6 +3449,403 @@
             <a:extLst>
               <a:ext uri="{FF2B5EF4-FFF2-40B4-BE49-F238E27FC236}">
                 <a16:creationId xmlns:a16="http://schemas.microsoft.com/office/drawing/2014/main" id="{BEDFA913-F070-4D65-9933-D3171F012A31}"/>
+              </a:ext>
+            </a:extLst>
+          </p:cNvPr>
+          <p:cNvPicPr>
+            <a:picLocks noChangeAspect="1" noChangeArrowheads="1"/>
+          </p:cNvPicPr>
+          <p:nvPr/>
+        </p:nvPicPr>
+        <p:blipFill>
+          <a:blip r:embed="rId2">
+            <a:extLst>
+              <a:ext uri="{28A0092B-C50C-407E-A947-70E740481C1C}">
+                <a14:useLocalDpi xmlns:a14="http://schemas.microsoft.com/office/drawing/2010/main" val="0"/>
+              </a:ext>
+            </a:extLst>
+          </a:blip>
+          <a:srcRect/>
+          <a:stretch>
+            <a:fillRect/>
+          </a:stretch>
+        </p:blipFill>
+        <p:spPr bwMode="auto">
+          <a:xfrm>
+            <a:off x="11353800" y="6562725"/>
+            <a:ext cx="838200" cy="295275"/>
+          </a:xfrm>
+          <a:prstGeom prst="rect">
+            <a:avLst/>
+          </a:prstGeom>
+          <a:noFill/>
+          <a:extLst>
+            <a:ext uri="{909E8E84-426E-40DD-AFC4-6F175D3DCCD1}">
+              <a14:hiddenFill xmlns:a14="http://schemas.microsoft.com/office/drawing/2010/main">
+                <a:solidFill>
+                  <a:srgbClr val="FFFFFF"/>
+                </a:solidFill>
+              </a14:hiddenFill>
+            </a:ext>
+          </a:extLst>
+        </p:spPr>
+      </p:pic>
+      <p:sp>
+        <p:nvSpPr>
+          <p:cNvPr id="5" name="文字方塊 9">
+            <a:extLst>
+              <a:ext uri="{FF2B5EF4-FFF2-40B4-BE49-F238E27FC236}">
+                <a16:creationId xmlns:a16="http://schemas.microsoft.com/office/drawing/2014/main" id="{C9E960C2-79BE-4CB9-897D-277B595C6F8F}"/>
+              </a:ext>
+            </a:extLst>
+          </p:cNvPr>
+          <p:cNvSpPr txBox="1"/>
+          <p:nvPr/>
+        </p:nvSpPr>
+        <p:spPr>
+          <a:xfrm>
+            <a:off x="0" y="0"/>
+            <a:ext cx="2703444" cy="553998"/>
+          </a:xfrm>
+          <a:prstGeom prst="rect">
+            <a:avLst/>
+          </a:prstGeom>
+          <a:noFill/>
+        </p:spPr>
+        <p:txBody>
+          <a:bodyPr wrap="square" rtlCol="0">
+            <a:spAutoFit/>
+          </a:bodyPr>
+          <a:lstStyle>
+            <a:defPPr>
+              <a:defRPr lang="zh-TW"/>
+            </a:defPPr>
+            <a:lvl1pPr marL="0" algn="l" defTabSz="914400" rtl="0" eaLnBrk="1" latinLnBrk="0" hangingPunct="1">
+              <a:defRPr sz="1800" kern="1200">
+                <a:solidFill>
+                  <a:schemeClr val="tx1"/>
+                </a:solidFill>
+                <a:latin typeface="+mn-lt"/>
+                <a:ea typeface="+mn-ea"/>
+                <a:cs typeface="+mn-cs"/>
+              </a:defRPr>
+            </a:lvl1pPr>
+            <a:lvl2pPr marL="457200" algn="l" defTabSz="914400" rtl="0" eaLnBrk="1" latinLnBrk="0" hangingPunct="1">
+              <a:defRPr sz="1800" kern="1200">
+                <a:solidFill>
+                  <a:schemeClr val="tx1"/>
+                </a:solidFill>
+                <a:latin typeface="+mn-lt"/>
+                <a:ea typeface="+mn-ea"/>
+                <a:cs typeface="+mn-cs"/>
+              </a:defRPr>
+            </a:lvl2pPr>
+            <a:lvl3pPr marL="914400" algn="l" defTabSz="914400" rtl="0" eaLnBrk="1" latinLnBrk="0" hangingPunct="1">
+              <a:defRPr sz="1800" kern="1200">
+                <a:solidFill>
+                  <a:schemeClr val="tx1"/>
+                </a:solidFill>
+                <a:latin typeface="+mn-lt"/>
+                <a:ea typeface="+mn-ea"/>
+                <a:cs typeface="+mn-cs"/>
+              </a:defRPr>
+            </a:lvl3pPr>
+            <a:lvl4pPr marL="1371600" algn="l" defTabSz="914400" rtl="0" eaLnBrk="1" latinLnBrk="0" hangingPunct="1">
+              <a:defRPr sz="1800" kern="1200">
+                <a:solidFill>
+                  <a:schemeClr val="tx1"/>
+                </a:solidFill>
+                <a:latin typeface="+mn-lt"/>
+                <a:ea typeface="+mn-ea"/>
+                <a:cs typeface="+mn-cs"/>
+              </a:defRPr>
+            </a:lvl4pPr>
+            <a:lvl5pPr marL="1828800" algn="l" defTabSz="914400" rtl="0" eaLnBrk="1" latinLnBrk="0" hangingPunct="1">
+              <a:defRPr sz="1800" kern="1200">
+                <a:solidFill>
+                  <a:schemeClr val="tx1"/>
+                </a:solidFill>
+                <a:latin typeface="+mn-lt"/>
+                <a:ea typeface="+mn-ea"/>
+                <a:cs typeface="+mn-cs"/>
+              </a:defRPr>
+            </a:lvl5pPr>
+            <a:lvl6pPr marL="2286000" algn="l" defTabSz="914400" rtl="0" eaLnBrk="1" latinLnBrk="0" hangingPunct="1">
+              <a:defRPr sz="1800" kern="1200">
+                <a:solidFill>
+                  <a:schemeClr val="tx1"/>
+                </a:solidFill>
+                <a:latin typeface="+mn-lt"/>
+                <a:ea typeface="+mn-ea"/>
+                <a:cs typeface="+mn-cs"/>
+              </a:defRPr>
+            </a:lvl6pPr>
+            <a:lvl7pPr marL="2743200" algn="l" defTabSz="914400" rtl="0" eaLnBrk="1" latinLnBrk="0" hangingPunct="1">
+              <a:defRPr sz="1800" kern="1200">
+                <a:solidFill>
+                  <a:schemeClr val="tx1"/>
+                </a:solidFill>
+                <a:latin typeface="+mn-lt"/>
+                <a:ea typeface="+mn-ea"/>
+                <a:cs typeface="+mn-cs"/>
+              </a:defRPr>
+            </a:lvl7pPr>
+            <a:lvl8pPr marL="3200400" algn="l" defTabSz="914400" rtl="0" eaLnBrk="1" latinLnBrk="0" hangingPunct="1">
+              <a:defRPr sz="1800" kern="1200">
+                <a:solidFill>
+                  <a:schemeClr val="tx1"/>
+                </a:solidFill>
+                <a:latin typeface="+mn-lt"/>
+                <a:ea typeface="+mn-ea"/>
+                <a:cs typeface="+mn-cs"/>
+              </a:defRPr>
+            </a:lvl8pPr>
+            <a:lvl9pPr marL="3657600" algn="l" defTabSz="914400" rtl="0" eaLnBrk="1" latinLnBrk="0" hangingPunct="1">
+              <a:defRPr sz="1800" kern="1200">
+                <a:solidFill>
+                  <a:schemeClr val="tx1"/>
+                </a:solidFill>
+                <a:latin typeface="+mn-lt"/>
+                <a:ea typeface="+mn-ea"/>
+                <a:cs typeface="+mn-cs"/>
+              </a:defRPr>
+            </a:lvl9pPr>
+          </a:lstStyle>
+          <a:p>
+            <a:r>
+              <a:rPr lang="zh-TW" altLang="en-US" sz="3000" b="1" dirty="0"/>
+              <a:t>機器學習</a:t>
+            </a:r>
+            <a:endParaRPr lang="zh-TW" altLang="en-US" sz="3000" dirty="0"/>
+          </a:p>
+        </p:txBody>
+      </p:sp>
+      <p:sp>
+        <p:nvSpPr>
+          <p:cNvPr id="6" name="文字方塊 10">
+            <a:extLst>
+              <a:ext uri="{FF2B5EF4-FFF2-40B4-BE49-F238E27FC236}">
+                <a16:creationId xmlns:a16="http://schemas.microsoft.com/office/drawing/2014/main" id="{E2518F10-61A3-4205-B4CD-D1BBA3D0EAAE}"/>
+              </a:ext>
+            </a:extLst>
+          </p:cNvPr>
+          <p:cNvSpPr txBox="1"/>
+          <p:nvPr/>
+        </p:nvSpPr>
+        <p:spPr>
+          <a:xfrm>
+            <a:off x="1524000" y="184666"/>
+            <a:ext cx="646331" cy="369332"/>
+          </a:xfrm>
+          <a:prstGeom prst="rect">
+            <a:avLst/>
+          </a:prstGeom>
+          <a:noFill/>
+        </p:spPr>
+        <p:txBody>
+          <a:bodyPr wrap="none" rtlCol="0">
+            <a:spAutoFit/>
+          </a:bodyPr>
+          <a:lstStyle>
+            <a:defPPr>
+              <a:defRPr lang="zh-TW"/>
+            </a:defPPr>
+            <a:lvl1pPr marL="0" algn="l" defTabSz="914400" rtl="0" eaLnBrk="1" latinLnBrk="0" hangingPunct="1">
+              <a:defRPr sz="1800" kern="1200">
+                <a:solidFill>
+                  <a:schemeClr val="tx1"/>
+                </a:solidFill>
+                <a:latin typeface="+mn-lt"/>
+                <a:ea typeface="+mn-ea"/>
+                <a:cs typeface="+mn-cs"/>
+              </a:defRPr>
+            </a:lvl1pPr>
+            <a:lvl2pPr marL="457200" algn="l" defTabSz="914400" rtl="0" eaLnBrk="1" latinLnBrk="0" hangingPunct="1">
+              <a:defRPr sz="1800" kern="1200">
+                <a:solidFill>
+                  <a:schemeClr val="tx1"/>
+                </a:solidFill>
+                <a:latin typeface="+mn-lt"/>
+                <a:ea typeface="+mn-ea"/>
+                <a:cs typeface="+mn-cs"/>
+              </a:defRPr>
+            </a:lvl2pPr>
+            <a:lvl3pPr marL="914400" algn="l" defTabSz="914400" rtl="0" eaLnBrk="1" latinLnBrk="0" hangingPunct="1">
+              <a:defRPr sz="1800" kern="1200">
+                <a:solidFill>
+                  <a:schemeClr val="tx1"/>
+                </a:solidFill>
+                <a:latin typeface="+mn-lt"/>
+                <a:ea typeface="+mn-ea"/>
+                <a:cs typeface="+mn-cs"/>
+              </a:defRPr>
+            </a:lvl3pPr>
+            <a:lvl4pPr marL="1371600" algn="l" defTabSz="914400" rtl="0" eaLnBrk="1" latinLnBrk="0" hangingPunct="1">
+              <a:defRPr sz="1800" kern="1200">
+                <a:solidFill>
+                  <a:schemeClr val="tx1"/>
+                </a:solidFill>
+                <a:latin typeface="+mn-lt"/>
+                <a:ea typeface="+mn-ea"/>
+                <a:cs typeface="+mn-cs"/>
+              </a:defRPr>
+            </a:lvl4pPr>
+            <a:lvl5pPr marL="1828800" algn="l" defTabSz="914400" rtl="0" eaLnBrk="1" latinLnBrk="0" hangingPunct="1">
+              <a:defRPr sz="1800" kern="1200">
+                <a:solidFill>
+                  <a:schemeClr val="tx1"/>
+                </a:solidFill>
+                <a:latin typeface="+mn-lt"/>
+                <a:ea typeface="+mn-ea"/>
+                <a:cs typeface="+mn-cs"/>
+              </a:defRPr>
+            </a:lvl5pPr>
+            <a:lvl6pPr marL="2286000" algn="l" defTabSz="914400" rtl="0" eaLnBrk="1" latinLnBrk="0" hangingPunct="1">
+              <a:defRPr sz="1800" kern="1200">
+                <a:solidFill>
+                  <a:schemeClr val="tx1"/>
+                </a:solidFill>
+                <a:latin typeface="+mn-lt"/>
+                <a:ea typeface="+mn-ea"/>
+                <a:cs typeface="+mn-cs"/>
+              </a:defRPr>
+            </a:lvl6pPr>
+            <a:lvl7pPr marL="2743200" algn="l" defTabSz="914400" rtl="0" eaLnBrk="1" latinLnBrk="0" hangingPunct="1">
+              <a:defRPr sz="1800" kern="1200">
+                <a:solidFill>
+                  <a:schemeClr val="tx1"/>
+                </a:solidFill>
+                <a:latin typeface="+mn-lt"/>
+                <a:ea typeface="+mn-ea"/>
+                <a:cs typeface="+mn-cs"/>
+              </a:defRPr>
+            </a:lvl7pPr>
+            <a:lvl8pPr marL="3200400" algn="l" defTabSz="914400" rtl="0" eaLnBrk="1" latinLnBrk="0" hangingPunct="1">
+              <a:defRPr sz="1800" kern="1200">
+                <a:solidFill>
+                  <a:schemeClr val="tx1"/>
+                </a:solidFill>
+                <a:latin typeface="+mn-lt"/>
+                <a:ea typeface="+mn-ea"/>
+                <a:cs typeface="+mn-cs"/>
+              </a:defRPr>
+            </a:lvl8pPr>
+            <a:lvl9pPr marL="3657600" algn="l" defTabSz="914400" rtl="0" eaLnBrk="1" latinLnBrk="0" hangingPunct="1">
+              <a:defRPr sz="1800" kern="1200">
+                <a:solidFill>
+                  <a:schemeClr val="tx1"/>
+                </a:solidFill>
+                <a:latin typeface="+mn-lt"/>
+                <a:ea typeface="+mn-ea"/>
+                <a:cs typeface="+mn-cs"/>
+              </a:defRPr>
+            </a:lvl9pPr>
+          </a:lstStyle>
+          <a:p>
+            <a:r>
+              <a:rPr lang="zh-TW" altLang="en-US" b="1" dirty="0"/>
+              <a:t>報告</a:t>
+            </a:r>
+          </a:p>
+        </p:txBody>
+      </p:sp>
+    </p:spTree>
+    <p:extLst>
+      <p:ext uri="{BB962C8B-B14F-4D97-AF65-F5344CB8AC3E}">
+        <p14:creationId xmlns:p14="http://schemas.microsoft.com/office/powerpoint/2010/main" val="1973537909"/>
+      </p:ext>
+    </p:extLst>
+  </p:cSld>
+  <p:clrMapOvr>
+    <a:masterClrMapping/>
+  </p:clrMapOvr>
+</p:sld>
+</file>
+
+<file path=ppt/slides/slide10.xml><?xml version="1.0" encoding="utf-8"?>
+<p:sld xmlns:a="http://schemas.openxmlformats.org/drawingml/2006/main" xmlns:r="http://schemas.openxmlformats.org/officeDocument/2006/relationships" xmlns:p="http://schemas.openxmlformats.org/presentationml/2006/main">
+  <p:cSld>
+    <p:bg>
+      <p:bgPr>
+        <a:solidFill>
+          <a:schemeClr val="accent5">
+            <a:lumMod val="20000"/>
+            <a:lumOff val="80000"/>
+          </a:schemeClr>
+        </a:solidFill>
+        <a:effectLst/>
+      </p:bgPr>
+    </p:bg>
+    <p:spTree>
+      <p:nvGrpSpPr>
+        <p:cNvPr id="1" name=""/>
+        <p:cNvGrpSpPr/>
+        <p:nvPr/>
+      </p:nvGrpSpPr>
+      <p:grpSpPr>
+        <a:xfrm>
+          <a:off x="0" y="0"/>
+          <a:ext cx="0" cy="0"/>
+          <a:chOff x="0" y="0"/>
+          <a:chExt cx="0" cy="0"/>
+        </a:xfrm>
+      </p:grpSpPr>
+      <p:sp>
+        <p:nvSpPr>
+          <p:cNvPr id="2" name="標題 1">
+            <a:extLst>
+              <a:ext uri="{FF2B5EF4-FFF2-40B4-BE49-F238E27FC236}">
+                <a16:creationId xmlns:a16="http://schemas.microsoft.com/office/drawing/2014/main" id="{ABBD2D70-D47E-421B-9C6D-2BF47ACE855C}"/>
+              </a:ext>
+            </a:extLst>
+          </p:cNvPr>
+          <p:cNvSpPr>
+            <a:spLocks noGrp="1"/>
+          </p:cNvSpPr>
+          <p:nvPr>
+            <p:ph type="title"/>
+          </p:nvPr>
+        </p:nvSpPr>
+        <p:spPr/>
+        <p:txBody>
+          <a:bodyPr/>
+          <a:lstStyle/>
+          <a:p>
+            <a:endParaRPr lang="zh-TW" altLang="en-US"/>
+          </a:p>
+        </p:txBody>
+      </p:sp>
+      <p:sp>
+        <p:nvSpPr>
+          <p:cNvPr id="3" name="內容版面配置區 2">
+            <a:extLst>
+              <a:ext uri="{FF2B5EF4-FFF2-40B4-BE49-F238E27FC236}">
+                <a16:creationId xmlns:a16="http://schemas.microsoft.com/office/drawing/2014/main" id="{AAEF8BD7-1CB2-4ED4-A403-1005F0126C9B}"/>
+              </a:ext>
+            </a:extLst>
+          </p:cNvPr>
+          <p:cNvSpPr>
+            <a:spLocks noGrp="1"/>
+          </p:cNvSpPr>
+          <p:nvPr>
+            <p:ph idx="1"/>
+          </p:nvPr>
+        </p:nvSpPr>
+        <p:spPr/>
+        <p:txBody>
+          <a:bodyPr/>
+          <a:lstStyle/>
+          <a:p>
+            <a:endParaRPr lang="zh-TW" altLang="en-US"/>
+          </a:p>
+        </p:txBody>
+      </p:sp>
+      <p:pic>
+        <p:nvPicPr>
+          <p:cNvPr id="1028" name="Picture 4" descr="創用 CC 授權條款">
+            <a:extLst>
+              <a:ext uri="{FF2B5EF4-FFF2-40B4-BE49-F238E27FC236}">
+                <a16:creationId xmlns:a16="http://schemas.microsoft.com/office/drawing/2014/main" id="{73FA0350-0C7A-46AD-A5E6-8933269F3A03}"/>
               </a:ext>
             </a:extLst>
           </p:cNvPr>
@@ -3434,7 +3890,269 @@
     </p:spTree>
     <p:extLst>
       <p:ext uri="{BB962C8B-B14F-4D97-AF65-F5344CB8AC3E}">
-        <p14:creationId xmlns:p14="http://schemas.microsoft.com/office/powerpoint/2010/main" val="1973537909"/>
+        <p14:creationId xmlns:p14="http://schemas.microsoft.com/office/powerpoint/2010/main" val="2539884165"/>
+      </p:ext>
+    </p:extLst>
+  </p:cSld>
+  <p:clrMapOvr>
+    <a:masterClrMapping/>
+  </p:clrMapOvr>
+</p:sld>
+</file>
+
+<file path=ppt/slides/slide11.xml><?xml version="1.0" encoding="utf-8"?>
+<p:sld xmlns:a="http://schemas.openxmlformats.org/drawingml/2006/main" xmlns:r="http://schemas.openxmlformats.org/officeDocument/2006/relationships" xmlns:p="http://schemas.openxmlformats.org/presentationml/2006/main">
+  <p:cSld>
+    <p:bg>
+      <p:bgPr>
+        <a:solidFill>
+          <a:schemeClr val="accent5">
+            <a:lumMod val="20000"/>
+            <a:lumOff val="80000"/>
+          </a:schemeClr>
+        </a:solidFill>
+        <a:effectLst/>
+      </p:bgPr>
+    </p:bg>
+    <p:spTree>
+      <p:nvGrpSpPr>
+        <p:cNvPr id="1" name=""/>
+        <p:cNvGrpSpPr/>
+        <p:nvPr/>
+      </p:nvGrpSpPr>
+      <p:grpSpPr>
+        <a:xfrm>
+          <a:off x="0" y="0"/>
+          <a:ext cx="0" cy="0"/>
+          <a:chOff x="0" y="0"/>
+          <a:chExt cx="0" cy="0"/>
+        </a:xfrm>
+      </p:grpSpPr>
+      <p:sp>
+        <p:nvSpPr>
+          <p:cNvPr id="2" name="標題 1">
+            <a:extLst>
+              <a:ext uri="{FF2B5EF4-FFF2-40B4-BE49-F238E27FC236}">
+                <a16:creationId xmlns:a16="http://schemas.microsoft.com/office/drawing/2014/main" id="{ABBD2D70-D47E-421B-9C6D-2BF47ACE855C}"/>
+              </a:ext>
+            </a:extLst>
+          </p:cNvPr>
+          <p:cNvSpPr>
+            <a:spLocks noGrp="1"/>
+          </p:cNvSpPr>
+          <p:nvPr>
+            <p:ph type="title"/>
+          </p:nvPr>
+        </p:nvSpPr>
+        <p:spPr>
+          <a:xfrm>
+            <a:off x="838200" y="365125"/>
+            <a:ext cx="10515600" cy="6197600"/>
+          </a:xfrm>
+        </p:spPr>
+        <p:txBody>
+          <a:bodyPr>
+            <a:normAutofit/>
+          </a:bodyPr>
+          <a:lstStyle/>
+          <a:p>
+            <a:pPr algn="ctr"/>
+            <a:r>
+              <a:rPr lang="zh-TW" altLang="en-US" sz="9600" dirty="0"/>
+              <a:t>下方為平常實作</a:t>
+            </a:r>
+          </a:p>
+        </p:txBody>
+      </p:sp>
+      <p:pic>
+        <p:nvPicPr>
+          <p:cNvPr id="1028" name="Picture 4" descr="創用 CC 授權條款">
+            <a:extLst>
+              <a:ext uri="{FF2B5EF4-FFF2-40B4-BE49-F238E27FC236}">
+                <a16:creationId xmlns:a16="http://schemas.microsoft.com/office/drawing/2014/main" id="{73FA0350-0C7A-46AD-A5E6-8933269F3A03}"/>
+              </a:ext>
+            </a:extLst>
+          </p:cNvPr>
+          <p:cNvPicPr>
+            <a:picLocks noChangeAspect="1" noChangeArrowheads="1"/>
+          </p:cNvPicPr>
+          <p:nvPr/>
+        </p:nvPicPr>
+        <p:blipFill>
+          <a:blip r:embed="rId2">
+            <a:extLst>
+              <a:ext uri="{28A0092B-C50C-407E-A947-70E740481C1C}">
+                <a14:useLocalDpi xmlns:a14="http://schemas.microsoft.com/office/drawing/2010/main" val="0"/>
+              </a:ext>
+            </a:extLst>
+          </a:blip>
+          <a:srcRect/>
+          <a:stretch>
+            <a:fillRect/>
+          </a:stretch>
+        </p:blipFill>
+        <p:spPr bwMode="auto">
+          <a:xfrm>
+            <a:off x="11353800" y="6562725"/>
+            <a:ext cx="838200" cy="295275"/>
+          </a:xfrm>
+          <a:prstGeom prst="rect">
+            <a:avLst/>
+          </a:prstGeom>
+          <a:noFill/>
+          <a:extLst>
+            <a:ext uri="{909E8E84-426E-40DD-AFC4-6F175D3DCCD1}">
+              <a14:hiddenFill xmlns:a14="http://schemas.microsoft.com/office/drawing/2010/main">
+                <a:solidFill>
+                  <a:srgbClr val="FFFFFF"/>
+                </a:solidFill>
+              </a14:hiddenFill>
+            </a:ext>
+          </a:extLst>
+        </p:spPr>
+      </p:pic>
+    </p:spTree>
+    <p:extLst>
+      <p:ext uri="{BB962C8B-B14F-4D97-AF65-F5344CB8AC3E}">
+        <p14:creationId xmlns:p14="http://schemas.microsoft.com/office/powerpoint/2010/main" val="2015672178"/>
+      </p:ext>
+    </p:extLst>
+  </p:cSld>
+  <p:clrMapOvr>
+    <a:masterClrMapping/>
+  </p:clrMapOvr>
+</p:sld>
+</file>
+
+<file path=ppt/slides/slide12.xml><?xml version="1.0" encoding="utf-8"?>
+<p:sld xmlns:a="http://schemas.openxmlformats.org/drawingml/2006/main" xmlns:r="http://schemas.openxmlformats.org/officeDocument/2006/relationships" xmlns:p="http://schemas.openxmlformats.org/presentationml/2006/main">
+  <p:cSld>
+    <p:bg>
+      <p:bgPr>
+        <a:solidFill>
+          <a:schemeClr val="accent5">
+            <a:lumMod val="20000"/>
+            <a:lumOff val="80000"/>
+          </a:schemeClr>
+        </a:solidFill>
+        <a:effectLst/>
+      </p:bgPr>
+    </p:bg>
+    <p:spTree>
+      <p:nvGrpSpPr>
+        <p:cNvPr id="1" name=""/>
+        <p:cNvGrpSpPr/>
+        <p:nvPr/>
+      </p:nvGrpSpPr>
+      <p:grpSpPr>
+        <a:xfrm>
+          <a:off x="0" y="0"/>
+          <a:ext cx="0" cy="0"/>
+          <a:chOff x="0" y="0"/>
+          <a:chExt cx="0" cy="0"/>
+        </a:xfrm>
+      </p:grpSpPr>
+      <p:sp>
+        <p:nvSpPr>
+          <p:cNvPr id="2" name="標題 1">
+            <a:extLst>
+              <a:ext uri="{FF2B5EF4-FFF2-40B4-BE49-F238E27FC236}">
+                <a16:creationId xmlns:a16="http://schemas.microsoft.com/office/drawing/2014/main" id="{ABBD2D70-D47E-421B-9C6D-2BF47ACE855C}"/>
+              </a:ext>
+            </a:extLst>
+          </p:cNvPr>
+          <p:cNvSpPr>
+            <a:spLocks noGrp="1"/>
+          </p:cNvSpPr>
+          <p:nvPr>
+            <p:ph type="title"/>
+          </p:nvPr>
+        </p:nvSpPr>
+        <p:spPr/>
+        <p:txBody>
+          <a:bodyPr/>
+          <a:lstStyle/>
+          <a:p>
+            <a:endParaRPr lang="zh-TW" altLang="en-US" dirty="0"/>
+          </a:p>
+        </p:txBody>
+      </p:sp>
+      <p:sp>
+        <p:nvSpPr>
+          <p:cNvPr id="3" name="內容版面配置區 2">
+            <a:extLst>
+              <a:ext uri="{FF2B5EF4-FFF2-40B4-BE49-F238E27FC236}">
+                <a16:creationId xmlns:a16="http://schemas.microsoft.com/office/drawing/2014/main" id="{AAEF8BD7-1CB2-4ED4-A403-1005F0126C9B}"/>
+              </a:ext>
+            </a:extLst>
+          </p:cNvPr>
+          <p:cNvSpPr>
+            <a:spLocks noGrp="1"/>
+          </p:cNvSpPr>
+          <p:nvPr>
+            <p:ph idx="1"/>
+          </p:nvPr>
+        </p:nvSpPr>
+        <p:spPr/>
+        <p:txBody>
+          <a:bodyPr/>
+          <a:lstStyle/>
+          <a:p>
+            <a:endParaRPr lang="zh-TW" altLang="en-US"/>
+          </a:p>
+        </p:txBody>
+      </p:sp>
+      <p:pic>
+        <p:nvPicPr>
+          <p:cNvPr id="1028" name="Picture 4" descr="創用 CC 授權條款">
+            <a:extLst>
+              <a:ext uri="{FF2B5EF4-FFF2-40B4-BE49-F238E27FC236}">
+                <a16:creationId xmlns:a16="http://schemas.microsoft.com/office/drawing/2014/main" id="{73FA0350-0C7A-46AD-A5E6-8933269F3A03}"/>
+              </a:ext>
+            </a:extLst>
+          </p:cNvPr>
+          <p:cNvPicPr>
+            <a:picLocks noChangeAspect="1" noChangeArrowheads="1"/>
+          </p:cNvPicPr>
+          <p:nvPr/>
+        </p:nvPicPr>
+        <p:blipFill>
+          <a:blip r:embed="rId2">
+            <a:extLst>
+              <a:ext uri="{28A0092B-C50C-407E-A947-70E740481C1C}">
+                <a14:useLocalDpi xmlns:a14="http://schemas.microsoft.com/office/drawing/2010/main" val="0"/>
+              </a:ext>
+            </a:extLst>
+          </a:blip>
+          <a:srcRect/>
+          <a:stretch>
+            <a:fillRect/>
+          </a:stretch>
+        </p:blipFill>
+        <p:spPr bwMode="auto">
+          <a:xfrm>
+            <a:off x="11353800" y="6562725"/>
+            <a:ext cx="838200" cy="295275"/>
+          </a:xfrm>
+          <a:prstGeom prst="rect">
+            <a:avLst/>
+          </a:prstGeom>
+          <a:noFill/>
+          <a:extLst>
+            <a:ext uri="{909E8E84-426E-40DD-AFC4-6F175D3DCCD1}">
+              <a14:hiddenFill xmlns:a14="http://schemas.microsoft.com/office/drawing/2010/main">
+                <a:solidFill>
+                  <a:srgbClr val="FFFFFF"/>
+                </a:solidFill>
+              </a14:hiddenFill>
+            </a:ext>
+          </a:extLst>
+        </p:spPr>
+      </p:pic>
+    </p:spTree>
+    <p:extLst>
+      <p:ext uri="{BB962C8B-B14F-4D97-AF65-F5344CB8AC3E}">
+        <p14:creationId xmlns:p14="http://schemas.microsoft.com/office/powerpoint/2010/main" val="2377922198"/>
       </p:ext>
     </p:extLst>
   </p:cSld>
@@ -3493,7 +4211,10 @@
           <a:bodyPr/>
           <a:lstStyle/>
           <a:p>
-            <a:endParaRPr lang="zh-TW" altLang="en-US"/>
+            <a:r>
+              <a:rPr lang="zh-TW" altLang="en-US" dirty="0"/>
+              <a:t>目錄</a:t>
+            </a:r>
           </a:p>
         </p:txBody>
       </p:sp>
@@ -3711,6 +4432,834 @@
     <p:extLst>
       <p:ext uri="{BB962C8B-B14F-4D97-AF65-F5344CB8AC3E}">
         <p14:creationId xmlns:p14="http://schemas.microsoft.com/office/powerpoint/2010/main" val="1009490554"/>
+      </p:ext>
+    </p:extLst>
+  </p:cSld>
+  <p:clrMapOvr>
+    <a:masterClrMapping/>
+  </p:clrMapOvr>
+</p:sld>
+</file>
+
+<file path=ppt/slides/slide4.xml><?xml version="1.0" encoding="utf-8"?>
+<p:sld xmlns:a="http://schemas.openxmlformats.org/drawingml/2006/main" xmlns:r="http://schemas.openxmlformats.org/officeDocument/2006/relationships" xmlns:p="http://schemas.openxmlformats.org/presentationml/2006/main">
+  <p:cSld>
+    <p:bg>
+      <p:bgPr>
+        <a:solidFill>
+          <a:schemeClr val="accent5">
+            <a:lumMod val="20000"/>
+            <a:lumOff val="80000"/>
+          </a:schemeClr>
+        </a:solidFill>
+        <a:effectLst/>
+      </p:bgPr>
+    </p:bg>
+    <p:spTree>
+      <p:nvGrpSpPr>
+        <p:cNvPr id="1" name=""/>
+        <p:cNvGrpSpPr/>
+        <p:nvPr/>
+      </p:nvGrpSpPr>
+      <p:grpSpPr>
+        <a:xfrm>
+          <a:off x="0" y="0"/>
+          <a:ext cx="0" cy="0"/>
+          <a:chOff x="0" y="0"/>
+          <a:chExt cx="0" cy="0"/>
+        </a:xfrm>
+      </p:grpSpPr>
+      <p:sp>
+        <p:nvSpPr>
+          <p:cNvPr id="2" name="標題 1">
+            <a:extLst>
+              <a:ext uri="{FF2B5EF4-FFF2-40B4-BE49-F238E27FC236}">
+                <a16:creationId xmlns:a16="http://schemas.microsoft.com/office/drawing/2014/main" id="{ABBD2D70-D47E-421B-9C6D-2BF47ACE855C}"/>
+              </a:ext>
+            </a:extLst>
+          </p:cNvPr>
+          <p:cNvSpPr>
+            <a:spLocks noGrp="1"/>
+          </p:cNvSpPr>
+          <p:nvPr>
+            <p:ph type="title"/>
+          </p:nvPr>
+        </p:nvSpPr>
+        <p:spPr/>
+        <p:txBody>
+          <a:bodyPr/>
+          <a:lstStyle/>
+          <a:p>
+            <a:endParaRPr lang="zh-TW" altLang="en-US"/>
+          </a:p>
+        </p:txBody>
+      </p:sp>
+      <p:sp>
+        <p:nvSpPr>
+          <p:cNvPr id="3" name="內容版面配置區 2">
+            <a:extLst>
+              <a:ext uri="{FF2B5EF4-FFF2-40B4-BE49-F238E27FC236}">
+                <a16:creationId xmlns:a16="http://schemas.microsoft.com/office/drawing/2014/main" id="{AAEF8BD7-1CB2-4ED4-A403-1005F0126C9B}"/>
+              </a:ext>
+            </a:extLst>
+          </p:cNvPr>
+          <p:cNvSpPr>
+            <a:spLocks noGrp="1"/>
+          </p:cNvSpPr>
+          <p:nvPr>
+            <p:ph idx="1"/>
+          </p:nvPr>
+        </p:nvSpPr>
+        <p:spPr/>
+        <p:txBody>
+          <a:bodyPr/>
+          <a:lstStyle/>
+          <a:p>
+            <a:endParaRPr lang="zh-TW" altLang="en-US"/>
+          </a:p>
+        </p:txBody>
+      </p:sp>
+      <p:pic>
+        <p:nvPicPr>
+          <p:cNvPr id="1028" name="Picture 4" descr="創用 CC 授權條款">
+            <a:extLst>
+              <a:ext uri="{FF2B5EF4-FFF2-40B4-BE49-F238E27FC236}">
+                <a16:creationId xmlns:a16="http://schemas.microsoft.com/office/drawing/2014/main" id="{73FA0350-0C7A-46AD-A5E6-8933269F3A03}"/>
+              </a:ext>
+            </a:extLst>
+          </p:cNvPr>
+          <p:cNvPicPr>
+            <a:picLocks noChangeAspect="1" noChangeArrowheads="1"/>
+          </p:cNvPicPr>
+          <p:nvPr/>
+        </p:nvPicPr>
+        <p:blipFill>
+          <a:blip r:embed="rId2">
+            <a:extLst>
+              <a:ext uri="{28A0092B-C50C-407E-A947-70E740481C1C}">
+                <a14:useLocalDpi xmlns:a14="http://schemas.microsoft.com/office/drawing/2010/main" val="0"/>
+              </a:ext>
+            </a:extLst>
+          </a:blip>
+          <a:srcRect/>
+          <a:stretch>
+            <a:fillRect/>
+          </a:stretch>
+        </p:blipFill>
+        <p:spPr bwMode="auto">
+          <a:xfrm>
+            <a:off x="11353800" y="6562725"/>
+            <a:ext cx="838200" cy="295275"/>
+          </a:xfrm>
+          <a:prstGeom prst="rect">
+            <a:avLst/>
+          </a:prstGeom>
+          <a:noFill/>
+          <a:extLst>
+            <a:ext uri="{909E8E84-426E-40DD-AFC4-6F175D3DCCD1}">
+              <a14:hiddenFill xmlns:a14="http://schemas.microsoft.com/office/drawing/2010/main">
+                <a:solidFill>
+                  <a:srgbClr val="FFFFFF"/>
+                </a:solidFill>
+              </a14:hiddenFill>
+            </a:ext>
+          </a:extLst>
+        </p:spPr>
+      </p:pic>
+    </p:spTree>
+    <p:extLst>
+      <p:ext uri="{BB962C8B-B14F-4D97-AF65-F5344CB8AC3E}">
+        <p14:creationId xmlns:p14="http://schemas.microsoft.com/office/powerpoint/2010/main" val="2099639760"/>
+      </p:ext>
+    </p:extLst>
+  </p:cSld>
+  <p:clrMapOvr>
+    <a:masterClrMapping/>
+  </p:clrMapOvr>
+</p:sld>
+</file>
+
+<file path=ppt/slides/slide5.xml><?xml version="1.0" encoding="utf-8"?>
+<p:sld xmlns:a="http://schemas.openxmlformats.org/drawingml/2006/main" xmlns:r="http://schemas.openxmlformats.org/officeDocument/2006/relationships" xmlns:p="http://schemas.openxmlformats.org/presentationml/2006/main">
+  <p:cSld>
+    <p:bg>
+      <p:bgPr>
+        <a:solidFill>
+          <a:schemeClr val="accent5">
+            <a:lumMod val="20000"/>
+            <a:lumOff val="80000"/>
+          </a:schemeClr>
+        </a:solidFill>
+        <a:effectLst/>
+      </p:bgPr>
+    </p:bg>
+    <p:spTree>
+      <p:nvGrpSpPr>
+        <p:cNvPr id="1" name=""/>
+        <p:cNvGrpSpPr/>
+        <p:nvPr/>
+      </p:nvGrpSpPr>
+      <p:grpSpPr>
+        <a:xfrm>
+          <a:off x="0" y="0"/>
+          <a:ext cx="0" cy="0"/>
+          <a:chOff x="0" y="0"/>
+          <a:chExt cx="0" cy="0"/>
+        </a:xfrm>
+      </p:grpSpPr>
+      <p:sp>
+        <p:nvSpPr>
+          <p:cNvPr id="2" name="標題 1">
+            <a:extLst>
+              <a:ext uri="{FF2B5EF4-FFF2-40B4-BE49-F238E27FC236}">
+                <a16:creationId xmlns:a16="http://schemas.microsoft.com/office/drawing/2014/main" id="{ABBD2D70-D47E-421B-9C6D-2BF47ACE855C}"/>
+              </a:ext>
+            </a:extLst>
+          </p:cNvPr>
+          <p:cNvSpPr>
+            <a:spLocks noGrp="1"/>
+          </p:cNvSpPr>
+          <p:nvPr>
+            <p:ph type="title"/>
+          </p:nvPr>
+        </p:nvSpPr>
+        <p:spPr/>
+        <p:txBody>
+          <a:bodyPr/>
+          <a:lstStyle/>
+          <a:p>
+            <a:endParaRPr lang="zh-TW" altLang="en-US"/>
+          </a:p>
+        </p:txBody>
+      </p:sp>
+      <p:sp>
+        <p:nvSpPr>
+          <p:cNvPr id="3" name="內容版面配置區 2">
+            <a:extLst>
+              <a:ext uri="{FF2B5EF4-FFF2-40B4-BE49-F238E27FC236}">
+                <a16:creationId xmlns:a16="http://schemas.microsoft.com/office/drawing/2014/main" id="{AAEF8BD7-1CB2-4ED4-A403-1005F0126C9B}"/>
+              </a:ext>
+            </a:extLst>
+          </p:cNvPr>
+          <p:cNvSpPr>
+            <a:spLocks noGrp="1"/>
+          </p:cNvSpPr>
+          <p:nvPr>
+            <p:ph idx="1"/>
+          </p:nvPr>
+        </p:nvSpPr>
+        <p:spPr/>
+        <p:txBody>
+          <a:bodyPr/>
+          <a:lstStyle/>
+          <a:p>
+            <a:endParaRPr lang="zh-TW" altLang="en-US"/>
+          </a:p>
+        </p:txBody>
+      </p:sp>
+      <p:pic>
+        <p:nvPicPr>
+          <p:cNvPr id="1028" name="Picture 4" descr="創用 CC 授權條款">
+            <a:extLst>
+              <a:ext uri="{FF2B5EF4-FFF2-40B4-BE49-F238E27FC236}">
+                <a16:creationId xmlns:a16="http://schemas.microsoft.com/office/drawing/2014/main" id="{73FA0350-0C7A-46AD-A5E6-8933269F3A03}"/>
+              </a:ext>
+            </a:extLst>
+          </p:cNvPr>
+          <p:cNvPicPr>
+            <a:picLocks noChangeAspect="1" noChangeArrowheads="1"/>
+          </p:cNvPicPr>
+          <p:nvPr/>
+        </p:nvPicPr>
+        <p:blipFill>
+          <a:blip r:embed="rId2">
+            <a:extLst>
+              <a:ext uri="{28A0092B-C50C-407E-A947-70E740481C1C}">
+                <a14:useLocalDpi xmlns:a14="http://schemas.microsoft.com/office/drawing/2010/main" val="0"/>
+              </a:ext>
+            </a:extLst>
+          </a:blip>
+          <a:srcRect/>
+          <a:stretch>
+            <a:fillRect/>
+          </a:stretch>
+        </p:blipFill>
+        <p:spPr bwMode="auto">
+          <a:xfrm>
+            <a:off x="11353800" y="6562725"/>
+            <a:ext cx="838200" cy="295275"/>
+          </a:xfrm>
+          <a:prstGeom prst="rect">
+            <a:avLst/>
+          </a:prstGeom>
+          <a:noFill/>
+          <a:extLst>
+            <a:ext uri="{909E8E84-426E-40DD-AFC4-6F175D3DCCD1}">
+              <a14:hiddenFill xmlns:a14="http://schemas.microsoft.com/office/drawing/2010/main">
+                <a:solidFill>
+                  <a:srgbClr val="FFFFFF"/>
+                </a:solidFill>
+              </a14:hiddenFill>
+            </a:ext>
+          </a:extLst>
+        </p:spPr>
+      </p:pic>
+    </p:spTree>
+    <p:extLst>
+      <p:ext uri="{BB962C8B-B14F-4D97-AF65-F5344CB8AC3E}">
+        <p14:creationId xmlns:p14="http://schemas.microsoft.com/office/powerpoint/2010/main" val="3501846378"/>
+      </p:ext>
+    </p:extLst>
+  </p:cSld>
+  <p:clrMapOvr>
+    <a:masterClrMapping/>
+  </p:clrMapOvr>
+</p:sld>
+</file>
+
+<file path=ppt/slides/slide6.xml><?xml version="1.0" encoding="utf-8"?>
+<p:sld xmlns:a="http://schemas.openxmlformats.org/drawingml/2006/main" xmlns:r="http://schemas.openxmlformats.org/officeDocument/2006/relationships" xmlns:p="http://schemas.openxmlformats.org/presentationml/2006/main">
+  <p:cSld>
+    <p:bg>
+      <p:bgPr>
+        <a:solidFill>
+          <a:schemeClr val="accent5">
+            <a:lumMod val="20000"/>
+            <a:lumOff val="80000"/>
+          </a:schemeClr>
+        </a:solidFill>
+        <a:effectLst/>
+      </p:bgPr>
+    </p:bg>
+    <p:spTree>
+      <p:nvGrpSpPr>
+        <p:cNvPr id="1" name=""/>
+        <p:cNvGrpSpPr/>
+        <p:nvPr/>
+      </p:nvGrpSpPr>
+      <p:grpSpPr>
+        <a:xfrm>
+          <a:off x="0" y="0"/>
+          <a:ext cx="0" cy="0"/>
+          <a:chOff x="0" y="0"/>
+          <a:chExt cx="0" cy="0"/>
+        </a:xfrm>
+      </p:grpSpPr>
+      <p:sp>
+        <p:nvSpPr>
+          <p:cNvPr id="2" name="標題 1">
+            <a:extLst>
+              <a:ext uri="{FF2B5EF4-FFF2-40B4-BE49-F238E27FC236}">
+                <a16:creationId xmlns:a16="http://schemas.microsoft.com/office/drawing/2014/main" id="{ABBD2D70-D47E-421B-9C6D-2BF47ACE855C}"/>
+              </a:ext>
+            </a:extLst>
+          </p:cNvPr>
+          <p:cNvSpPr>
+            <a:spLocks noGrp="1"/>
+          </p:cNvSpPr>
+          <p:nvPr>
+            <p:ph type="title"/>
+          </p:nvPr>
+        </p:nvSpPr>
+        <p:spPr/>
+        <p:txBody>
+          <a:bodyPr/>
+          <a:lstStyle/>
+          <a:p>
+            <a:endParaRPr lang="zh-TW" altLang="en-US"/>
+          </a:p>
+        </p:txBody>
+      </p:sp>
+      <p:sp>
+        <p:nvSpPr>
+          <p:cNvPr id="3" name="內容版面配置區 2">
+            <a:extLst>
+              <a:ext uri="{FF2B5EF4-FFF2-40B4-BE49-F238E27FC236}">
+                <a16:creationId xmlns:a16="http://schemas.microsoft.com/office/drawing/2014/main" id="{AAEF8BD7-1CB2-4ED4-A403-1005F0126C9B}"/>
+              </a:ext>
+            </a:extLst>
+          </p:cNvPr>
+          <p:cNvSpPr>
+            <a:spLocks noGrp="1"/>
+          </p:cNvSpPr>
+          <p:nvPr>
+            <p:ph idx="1"/>
+          </p:nvPr>
+        </p:nvSpPr>
+        <p:spPr/>
+        <p:txBody>
+          <a:bodyPr/>
+          <a:lstStyle/>
+          <a:p>
+            <a:endParaRPr lang="zh-TW" altLang="en-US"/>
+          </a:p>
+        </p:txBody>
+      </p:sp>
+      <p:pic>
+        <p:nvPicPr>
+          <p:cNvPr id="1028" name="Picture 4" descr="創用 CC 授權條款">
+            <a:extLst>
+              <a:ext uri="{FF2B5EF4-FFF2-40B4-BE49-F238E27FC236}">
+                <a16:creationId xmlns:a16="http://schemas.microsoft.com/office/drawing/2014/main" id="{73FA0350-0C7A-46AD-A5E6-8933269F3A03}"/>
+              </a:ext>
+            </a:extLst>
+          </p:cNvPr>
+          <p:cNvPicPr>
+            <a:picLocks noChangeAspect="1" noChangeArrowheads="1"/>
+          </p:cNvPicPr>
+          <p:nvPr/>
+        </p:nvPicPr>
+        <p:blipFill>
+          <a:blip r:embed="rId2">
+            <a:extLst>
+              <a:ext uri="{28A0092B-C50C-407E-A947-70E740481C1C}">
+                <a14:useLocalDpi xmlns:a14="http://schemas.microsoft.com/office/drawing/2010/main" val="0"/>
+              </a:ext>
+            </a:extLst>
+          </a:blip>
+          <a:srcRect/>
+          <a:stretch>
+            <a:fillRect/>
+          </a:stretch>
+        </p:blipFill>
+        <p:spPr bwMode="auto">
+          <a:xfrm>
+            <a:off x="11353800" y="6562725"/>
+            <a:ext cx="838200" cy="295275"/>
+          </a:xfrm>
+          <a:prstGeom prst="rect">
+            <a:avLst/>
+          </a:prstGeom>
+          <a:noFill/>
+          <a:extLst>
+            <a:ext uri="{909E8E84-426E-40DD-AFC4-6F175D3DCCD1}">
+              <a14:hiddenFill xmlns:a14="http://schemas.microsoft.com/office/drawing/2010/main">
+                <a:solidFill>
+                  <a:srgbClr val="FFFFFF"/>
+                </a:solidFill>
+              </a14:hiddenFill>
+            </a:ext>
+          </a:extLst>
+        </p:spPr>
+      </p:pic>
+    </p:spTree>
+    <p:extLst>
+      <p:ext uri="{BB962C8B-B14F-4D97-AF65-F5344CB8AC3E}">
+        <p14:creationId xmlns:p14="http://schemas.microsoft.com/office/powerpoint/2010/main" val="76905396"/>
+      </p:ext>
+    </p:extLst>
+  </p:cSld>
+  <p:clrMapOvr>
+    <a:masterClrMapping/>
+  </p:clrMapOvr>
+</p:sld>
+</file>
+
+<file path=ppt/slides/slide7.xml><?xml version="1.0" encoding="utf-8"?>
+<p:sld xmlns:a="http://schemas.openxmlformats.org/drawingml/2006/main" xmlns:r="http://schemas.openxmlformats.org/officeDocument/2006/relationships" xmlns:p="http://schemas.openxmlformats.org/presentationml/2006/main">
+  <p:cSld>
+    <p:bg>
+      <p:bgPr>
+        <a:solidFill>
+          <a:schemeClr val="accent5">
+            <a:lumMod val="20000"/>
+            <a:lumOff val="80000"/>
+          </a:schemeClr>
+        </a:solidFill>
+        <a:effectLst/>
+      </p:bgPr>
+    </p:bg>
+    <p:spTree>
+      <p:nvGrpSpPr>
+        <p:cNvPr id="1" name=""/>
+        <p:cNvGrpSpPr/>
+        <p:nvPr/>
+      </p:nvGrpSpPr>
+      <p:grpSpPr>
+        <a:xfrm>
+          <a:off x="0" y="0"/>
+          <a:ext cx="0" cy="0"/>
+          <a:chOff x="0" y="0"/>
+          <a:chExt cx="0" cy="0"/>
+        </a:xfrm>
+      </p:grpSpPr>
+      <p:sp>
+        <p:nvSpPr>
+          <p:cNvPr id="2" name="標題 1">
+            <a:extLst>
+              <a:ext uri="{FF2B5EF4-FFF2-40B4-BE49-F238E27FC236}">
+                <a16:creationId xmlns:a16="http://schemas.microsoft.com/office/drawing/2014/main" id="{ABBD2D70-D47E-421B-9C6D-2BF47ACE855C}"/>
+              </a:ext>
+            </a:extLst>
+          </p:cNvPr>
+          <p:cNvSpPr>
+            <a:spLocks noGrp="1"/>
+          </p:cNvSpPr>
+          <p:nvPr>
+            <p:ph type="title"/>
+          </p:nvPr>
+        </p:nvSpPr>
+        <p:spPr/>
+        <p:txBody>
+          <a:bodyPr/>
+          <a:lstStyle/>
+          <a:p>
+            <a:endParaRPr lang="zh-TW" altLang="en-US"/>
+          </a:p>
+        </p:txBody>
+      </p:sp>
+      <p:sp>
+        <p:nvSpPr>
+          <p:cNvPr id="3" name="內容版面配置區 2">
+            <a:extLst>
+              <a:ext uri="{FF2B5EF4-FFF2-40B4-BE49-F238E27FC236}">
+                <a16:creationId xmlns:a16="http://schemas.microsoft.com/office/drawing/2014/main" id="{AAEF8BD7-1CB2-4ED4-A403-1005F0126C9B}"/>
+              </a:ext>
+            </a:extLst>
+          </p:cNvPr>
+          <p:cNvSpPr>
+            <a:spLocks noGrp="1"/>
+          </p:cNvSpPr>
+          <p:nvPr>
+            <p:ph idx="1"/>
+          </p:nvPr>
+        </p:nvSpPr>
+        <p:spPr/>
+        <p:txBody>
+          <a:bodyPr/>
+          <a:lstStyle/>
+          <a:p>
+            <a:endParaRPr lang="zh-TW" altLang="en-US"/>
+          </a:p>
+        </p:txBody>
+      </p:sp>
+      <p:pic>
+        <p:nvPicPr>
+          <p:cNvPr id="1028" name="Picture 4" descr="創用 CC 授權條款">
+            <a:extLst>
+              <a:ext uri="{FF2B5EF4-FFF2-40B4-BE49-F238E27FC236}">
+                <a16:creationId xmlns:a16="http://schemas.microsoft.com/office/drawing/2014/main" id="{73FA0350-0C7A-46AD-A5E6-8933269F3A03}"/>
+              </a:ext>
+            </a:extLst>
+          </p:cNvPr>
+          <p:cNvPicPr>
+            <a:picLocks noChangeAspect="1" noChangeArrowheads="1"/>
+          </p:cNvPicPr>
+          <p:nvPr/>
+        </p:nvPicPr>
+        <p:blipFill>
+          <a:blip r:embed="rId2">
+            <a:extLst>
+              <a:ext uri="{28A0092B-C50C-407E-A947-70E740481C1C}">
+                <a14:useLocalDpi xmlns:a14="http://schemas.microsoft.com/office/drawing/2010/main" val="0"/>
+              </a:ext>
+            </a:extLst>
+          </a:blip>
+          <a:srcRect/>
+          <a:stretch>
+            <a:fillRect/>
+          </a:stretch>
+        </p:blipFill>
+        <p:spPr bwMode="auto">
+          <a:xfrm>
+            <a:off x="11353800" y="6562725"/>
+            <a:ext cx="838200" cy="295275"/>
+          </a:xfrm>
+          <a:prstGeom prst="rect">
+            <a:avLst/>
+          </a:prstGeom>
+          <a:noFill/>
+          <a:extLst>
+            <a:ext uri="{909E8E84-426E-40DD-AFC4-6F175D3DCCD1}">
+              <a14:hiddenFill xmlns:a14="http://schemas.microsoft.com/office/drawing/2010/main">
+                <a:solidFill>
+                  <a:srgbClr val="FFFFFF"/>
+                </a:solidFill>
+              </a14:hiddenFill>
+            </a:ext>
+          </a:extLst>
+        </p:spPr>
+      </p:pic>
+    </p:spTree>
+    <p:extLst>
+      <p:ext uri="{BB962C8B-B14F-4D97-AF65-F5344CB8AC3E}">
+        <p14:creationId xmlns:p14="http://schemas.microsoft.com/office/powerpoint/2010/main" val="2602978314"/>
+      </p:ext>
+    </p:extLst>
+  </p:cSld>
+  <p:clrMapOvr>
+    <a:masterClrMapping/>
+  </p:clrMapOvr>
+</p:sld>
+</file>
+
+<file path=ppt/slides/slide8.xml><?xml version="1.0" encoding="utf-8"?>
+<p:sld xmlns:a="http://schemas.openxmlformats.org/drawingml/2006/main" xmlns:r="http://schemas.openxmlformats.org/officeDocument/2006/relationships" xmlns:p="http://schemas.openxmlformats.org/presentationml/2006/main">
+  <p:cSld>
+    <p:bg>
+      <p:bgPr>
+        <a:solidFill>
+          <a:schemeClr val="accent5">
+            <a:lumMod val="20000"/>
+            <a:lumOff val="80000"/>
+          </a:schemeClr>
+        </a:solidFill>
+        <a:effectLst/>
+      </p:bgPr>
+    </p:bg>
+    <p:spTree>
+      <p:nvGrpSpPr>
+        <p:cNvPr id="1" name=""/>
+        <p:cNvGrpSpPr/>
+        <p:nvPr/>
+      </p:nvGrpSpPr>
+      <p:grpSpPr>
+        <a:xfrm>
+          <a:off x="0" y="0"/>
+          <a:ext cx="0" cy="0"/>
+          <a:chOff x="0" y="0"/>
+          <a:chExt cx="0" cy="0"/>
+        </a:xfrm>
+      </p:grpSpPr>
+      <p:sp>
+        <p:nvSpPr>
+          <p:cNvPr id="2" name="標題 1">
+            <a:extLst>
+              <a:ext uri="{FF2B5EF4-FFF2-40B4-BE49-F238E27FC236}">
+                <a16:creationId xmlns:a16="http://schemas.microsoft.com/office/drawing/2014/main" id="{ABBD2D70-D47E-421B-9C6D-2BF47ACE855C}"/>
+              </a:ext>
+            </a:extLst>
+          </p:cNvPr>
+          <p:cNvSpPr>
+            <a:spLocks noGrp="1"/>
+          </p:cNvSpPr>
+          <p:nvPr>
+            <p:ph type="title"/>
+          </p:nvPr>
+        </p:nvSpPr>
+        <p:spPr/>
+        <p:txBody>
+          <a:bodyPr/>
+          <a:lstStyle/>
+          <a:p>
+            <a:endParaRPr lang="zh-TW" altLang="en-US"/>
+          </a:p>
+        </p:txBody>
+      </p:sp>
+      <p:sp>
+        <p:nvSpPr>
+          <p:cNvPr id="3" name="內容版面配置區 2">
+            <a:extLst>
+              <a:ext uri="{FF2B5EF4-FFF2-40B4-BE49-F238E27FC236}">
+                <a16:creationId xmlns:a16="http://schemas.microsoft.com/office/drawing/2014/main" id="{AAEF8BD7-1CB2-4ED4-A403-1005F0126C9B}"/>
+              </a:ext>
+            </a:extLst>
+          </p:cNvPr>
+          <p:cNvSpPr>
+            <a:spLocks noGrp="1"/>
+          </p:cNvSpPr>
+          <p:nvPr>
+            <p:ph idx="1"/>
+          </p:nvPr>
+        </p:nvSpPr>
+        <p:spPr/>
+        <p:txBody>
+          <a:bodyPr/>
+          <a:lstStyle/>
+          <a:p>
+            <a:endParaRPr lang="zh-TW" altLang="en-US"/>
+          </a:p>
+        </p:txBody>
+      </p:sp>
+      <p:pic>
+        <p:nvPicPr>
+          <p:cNvPr id="1028" name="Picture 4" descr="創用 CC 授權條款">
+            <a:extLst>
+              <a:ext uri="{FF2B5EF4-FFF2-40B4-BE49-F238E27FC236}">
+                <a16:creationId xmlns:a16="http://schemas.microsoft.com/office/drawing/2014/main" id="{73FA0350-0C7A-46AD-A5E6-8933269F3A03}"/>
+              </a:ext>
+            </a:extLst>
+          </p:cNvPr>
+          <p:cNvPicPr>
+            <a:picLocks noChangeAspect="1" noChangeArrowheads="1"/>
+          </p:cNvPicPr>
+          <p:nvPr/>
+        </p:nvPicPr>
+        <p:blipFill>
+          <a:blip r:embed="rId2">
+            <a:extLst>
+              <a:ext uri="{28A0092B-C50C-407E-A947-70E740481C1C}">
+                <a14:useLocalDpi xmlns:a14="http://schemas.microsoft.com/office/drawing/2010/main" val="0"/>
+              </a:ext>
+            </a:extLst>
+          </a:blip>
+          <a:srcRect/>
+          <a:stretch>
+            <a:fillRect/>
+          </a:stretch>
+        </p:blipFill>
+        <p:spPr bwMode="auto">
+          <a:xfrm>
+            <a:off x="11353800" y="6562725"/>
+            <a:ext cx="838200" cy="295275"/>
+          </a:xfrm>
+          <a:prstGeom prst="rect">
+            <a:avLst/>
+          </a:prstGeom>
+          <a:noFill/>
+          <a:extLst>
+            <a:ext uri="{909E8E84-426E-40DD-AFC4-6F175D3DCCD1}">
+              <a14:hiddenFill xmlns:a14="http://schemas.microsoft.com/office/drawing/2010/main">
+                <a:solidFill>
+                  <a:srgbClr val="FFFFFF"/>
+                </a:solidFill>
+              </a14:hiddenFill>
+            </a:ext>
+          </a:extLst>
+        </p:spPr>
+      </p:pic>
+    </p:spTree>
+    <p:extLst>
+      <p:ext uri="{BB962C8B-B14F-4D97-AF65-F5344CB8AC3E}">
+        <p14:creationId xmlns:p14="http://schemas.microsoft.com/office/powerpoint/2010/main" val="3663347241"/>
+      </p:ext>
+    </p:extLst>
+  </p:cSld>
+  <p:clrMapOvr>
+    <a:masterClrMapping/>
+  </p:clrMapOvr>
+</p:sld>
+</file>
+
+<file path=ppt/slides/slide9.xml><?xml version="1.0" encoding="utf-8"?>
+<p:sld xmlns:a="http://schemas.openxmlformats.org/drawingml/2006/main" xmlns:r="http://schemas.openxmlformats.org/officeDocument/2006/relationships" xmlns:p="http://schemas.openxmlformats.org/presentationml/2006/main">
+  <p:cSld>
+    <p:bg>
+      <p:bgPr>
+        <a:solidFill>
+          <a:schemeClr val="accent5">
+            <a:lumMod val="20000"/>
+            <a:lumOff val="80000"/>
+          </a:schemeClr>
+        </a:solidFill>
+        <a:effectLst/>
+      </p:bgPr>
+    </p:bg>
+    <p:spTree>
+      <p:nvGrpSpPr>
+        <p:cNvPr id="1" name=""/>
+        <p:cNvGrpSpPr/>
+        <p:nvPr/>
+      </p:nvGrpSpPr>
+      <p:grpSpPr>
+        <a:xfrm>
+          <a:off x="0" y="0"/>
+          <a:ext cx="0" cy="0"/>
+          <a:chOff x="0" y="0"/>
+          <a:chExt cx="0" cy="0"/>
+        </a:xfrm>
+      </p:grpSpPr>
+      <p:sp>
+        <p:nvSpPr>
+          <p:cNvPr id="2" name="標題 1">
+            <a:extLst>
+              <a:ext uri="{FF2B5EF4-FFF2-40B4-BE49-F238E27FC236}">
+                <a16:creationId xmlns:a16="http://schemas.microsoft.com/office/drawing/2014/main" id="{ABBD2D70-D47E-421B-9C6D-2BF47ACE855C}"/>
+              </a:ext>
+            </a:extLst>
+          </p:cNvPr>
+          <p:cNvSpPr>
+            <a:spLocks noGrp="1"/>
+          </p:cNvSpPr>
+          <p:nvPr>
+            <p:ph type="title"/>
+          </p:nvPr>
+        </p:nvSpPr>
+        <p:spPr/>
+        <p:txBody>
+          <a:bodyPr/>
+          <a:lstStyle/>
+          <a:p>
+            <a:endParaRPr lang="zh-TW" altLang="en-US"/>
+          </a:p>
+        </p:txBody>
+      </p:sp>
+      <p:sp>
+        <p:nvSpPr>
+          <p:cNvPr id="3" name="內容版面配置區 2">
+            <a:extLst>
+              <a:ext uri="{FF2B5EF4-FFF2-40B4-BE49-F238E27FC236}">
+                <a16:creationId xmlns:a16="http://schemas.microsoft.com/office/drawing/2014/main" id="{AAEF8BD7-1CB2-4ED4-A403-1005F0126C9B}"/>
+              </a:ext>
+            </a:extLst>
+          </p:cNvPr>
+          <p:cNvSpPr>
+            <a:spLocks noGrp="1"/>
+          </p:cNvSpPr>
+          <p:nvPr>
+            <p:ph idx="1"/>
+          </p:nvPr>
+        </p:nvSpPr>
+        <p:spPr/>
+        <p:txBody>
+          <a:bodyPr/>
+          <a:lstStyle/>
+          <a:p>
+            <a:endParaRPr lang="zh-TW" altLang="en-US"/>
+          </a:p>
+        </p:txBody>
+      </p:sp>
+      <p:pic>
+        <p:nvPicPr>
+          <p:cNvPr id="1028" name="Picture 4" descr="創用 CC 授權條款">
+            <a:extLst>
+              <a:ext uri="{FF2B5EF4-FFF2-40B4-BE49-F238E27FC236}">
+                <a16:creationId xmlns:a16="http://schemas.microsoft.com/office/drawing/2014/main" id="{73FA0350-0C7A-46AD-A5E6-8933269F3A03}"/>
+              </a:ext>
+            </a:extLst>
+          </p:cNvPr>
+          <p:cNvPicPr>
+            <a:picLocks noChangeAspect="1" noChangeArrowheads="1"/>
+          </p:cNvPicPr>
+          <p:nvPr/>
+        </p:nvPicPr>
+        <p:blipFill>
+          <a:blip r:embed="rId2">
+            <a:extLst>
+              <a:ext uri="{28A0092B-C50C-407E-A947-70E740481C1C}">
+                <a14:useLocalDpi xmlns:a14="http://schemas.microsoft.com/office/drawing/2010/main" val="0"/>
+              </a:ext>
+            </a:extLst>
+          </a:blip>
+          <a:srcRect/>
+          <a:stretch>
+            <a:fillRect/>
+          </a:stretch>
+        </p:blipFill>
+        <p:spPr bwMode="auto">
+          <a:xfrm>
+            <a:off x="11353800" y="6562725"/>
+            <a:ext cx="838200" cy="295275"/>
+          </a:xfrm>
+          <a:prstGeom prst="rect">
+            <a:avLst/>
+          </a:prstGeom>
+          <a:noFill/>
+          <a:extLst>
+            <a:ext uri="{909E8E84-426E-40DD-AFC4-6F175D3DCCD1}">
+              <a14:hiddenFill xmlns:a14="http://schemas.microsoft.com/office/drawing/2010/main">
+                <a:solidFill>
+                  <a:srgbClr val="FFFFFF"/>
+                </a:solidFill>
+              </a14:hiddenFill>
+            </a:ext>
+          </a:extLst>
+        </p:spPr>
+      </p:pic>
+    </p:spTree>
+    <p:extLst>
+      <p:ext uri="{BB962C8B-B14F-4D97-AF65-F5344CB8AC3E}">
+        <p14:creationId xmlns:p14="http://schemas.microsoft.com/office/powerpoint/2010/main" val="1119453918"/>
       </p:ext>
     </p:extLst>
   </p:cSld>
